--- a/Week 3/Lab Create a Low Resolution Wireframe.pptx
+++ b/Week 3/Lab Create a Low Resolution Wireframe.pptx
@@ -6,6 +6,7 @@
   </p:sldMasterIdLst>
   <p:sldIdLst>
     <p:sldId id="256" r:id="rId2"/>
+    <p:sldId id="257" r:id="rId3"/>
   </p:sldIdLst>
   <p:sldSz cx="12192000" cy="6858000"/>
   <p:notesSz cx="6858000" cy="9144000"/>
@@ -104,6 +105,17 @@
       </a:defRPr>
     </a:lvl9pPr>
   </p:defaultTextStyle>
+  <p:extLst>
+    <p:ext uri="{EFAFB233-063F-42B5-8137-9DF3F51BA10A}">
+      <p15:sldGuideLst xmlns:p15="http://schemas.microsoft.com/office/powerpoint/2012/main">
+        <p15:guide id="1" pos="3840" userDrawn="1">
+          <p15:clr>
+            <a:srgbClr val="A4A3A4"/>
+          </p15:clr>
+        </p15:guide>
+      </p15:sldGuideLst>
+    </p:ext>
+  </p:extLst>
 </p:presentation>
 </file>
 
@@ -190,35 +202,35 @@
               <a:buNone/>
               <a:defRPr sz="2400"/>
             </a:lvl1pPr>
-            <a:lvl2pPr marL="457200" indent="0" algn="ctr">
+            <a:lvl2pPr marL="457212" indent="0" algn="ctr">
               <a:buNone/>
               <a:defRPr sz="2000"/>
             </a:lvl2pPr>
-            <a:lvl3pPr marL="914400" indent="0" algn="ctr">
-              <a:buNone/>
-              <a:defRPr sz="1800"/>
+            <a:lvl3pPr marL="914423" indent="0" algn="ctr">
+              <a:buNone/>
+              <a:defRPr sz="1801"/>
             </a:lvl3pPr>
-            <a:lvl4pPr marL="1371600" indent="0" algn="ctr">
+            <a:lvl4pPr marL="1371634" indent="0" algn="ctr">
               <a:buNone/>
               <a:defRPr sz="1600"/>
             </a:lvl4pPr>
-            <a:lvl5pPr marL="1828800" indent="0" algn="ctr">
+            <a:lvl5pPr marL="1828846" indent="0" algn="ctr">
               <a:buNone/>
               <a:defRPr sz="1600"/>
             </a:lvl5pPr>
-            <a:lvl6pPr marL="2286000" indent="0" algn="ctr">
+            <a:lvl6pPr marL="2286057" indent="0" algn="ctr">
               <a:buNone/>
               <a:defRPr sz="1600"/>
             </a:lvl6pPr>
-            <a:lvl7pPr marL="2743200" indent="0" algn="ctr">
+            <a:lvl7pPr marL="2743268" indent="0" algn="ctr">
               <a:buNone/>
               <a:defRPr sz="1600"/>
             </a:lvl7pPr>
-            <a:lvl8pPr marL="3200400" indent="0" algn="ctr">
+            <a:lvl8pPr marL="3200480" indent="0" algn="ctr">
               <a:buNone/>
               <a:defRPr sz="1600"/>
             </a:lvl8pPr>
-            <a:lvl9pPr marL="3657600" indent="0" algn="ctr">
+            <a:lvl9pPr marL="3657692" indent="0" algn="ctr">
               <a:buNone/>
               <a:defRPr sz="1600"/>
             </a:lvl9pPr>
@@ -560,7 +572,7 @@
         </p:nvSpPr>
         <p:spPr>
           <a:xfrm>
-            <a:off x="8724900" y="365125"/>
+            <a:off x="8724899" y="365125"/>
             <a:ext cx="2628900" cy="5811838"/>
           </a:xfrm>
         </p:spPr>
@@ -593,7 +605,7 @@
         </p:nvSpPr>
         <p:spPr>
           <a:xfrm>
-            <a:off x="838200" y="365125"/>
+            <a:off x="838199" y="365125"/>
             <a:ext cx="7734300" cy="5811838"/>
           </a:xfrm>
         </p:spPr>
@@ -966,7 +978,7 @@
         </p:nvSpPr>
         <p:spPr>
           <a:xfrm>
-            <a:off x="831850" y="1709738"/>
+            <a:off x="831853" y="1709738"/>
             <a:ext cx="10515600" cy="2852737"/>
           </a:xfrm>
         </p:spPr>
@@ -1003,7 +1015,7 @@
         </p:nvSpPr>
         <p:spPr>
           <a:xfrm>
-            <a:off x="831850" y="4589463"/>
+            <a:off x="831853" y="4589465"/>
             <a:ext cx="10515600" cy="1500187"/>
           </a:xfrm>
         </p:spPr>
@@ -1020,7 +1032,7 @@
                 </a:solidFill>
               </a:defRPr>
             </a:lvl1pPr>
-            <a:lvl2pPr marL="457200" indent="0">
+            <a:lvl2pPr marL="457212" indent="0">
               <a:buNone/>
               <a:defRPr sz="2000">
                 <a:solidFill>
@@ -1030,9 +1042,9 @@
                 </a:solidFill>
               </a:defRPr>
             </a:lvl2pPr>
-            <a:lvl3pPr marL="914400" indent="0">
-              <a:buNone/>
-              <a:defRPr sz="1800">
+            <a:lvl3pPr marL="914423" indent="0">
+              <a:buNone/>
+              <a:defRPr sz="1801">
                 <a:solidFill>
                   <a:schemeClr val="tx1">
                     <a:tint val="75000"/>
@@ -1040,7 +1052,7 @@
                 </a:solidFill>
               </a:defRPr>
             </a:lvl3pPr>
-            <a:lvl4pPr marL="1371600" indent="0">
+            <a:lvl4pPr marL="1371634" indent="0">
               <a:buNone/>
               <a:defRPr sz="1600">
                 <a:solidFill>
@@ -1050,7 +1062,7 @@
                 </a:solidFill>
               </a:defRPr>
             </a:lvl4pPr>
-            <a:lvl5pPr marL="1828800" indent="0">
+            <a:lvl5pPr marL="1828846" indent="0">
               <a:buNone/>
               <a:defRPr sz="1600">
                 <a:solidFill>
@@ -1060,7 +1072,7 @@
                 </a:solidFill>
               </a:defRPr>
             </a:lvl5pPr>
-            <a:lvl6pPr marL="2286000" indent="0">
+            <a:lvl6pPr marL="2286057" indent="0">
               <a:buNone/>
               <a:defRPr sz="1600">
                 <a:solidFill>
@@ -1070,7 +1082,7 @@
                 </a:solidFill>
               </a:defRPr>
             </a:lvl6pPr>
-            <a:lvl7pPr marL="2743200" indent="0">
+            <a:lvl7pPr marL="2743268" indent="0">
               <a:buNone/>
               <a:defRPr sz="1600">
                 <a:solidFill>
@@ -1080,7 +1092,7 @@
                 </a:solidFill>
               </a:defRPr>
             </a:lvl7pPr>
-            <a:lvl8pPr marL="3200400" indent="0">
+            <a:lvl8pPr marL="3200480" indent="0">
               <a:buNone/>
               <a:defRPr sz="1600">
                 <a:solidFill>
@@ -1090,7 +1102,7 @@
                 </a:solidFill>
               </a:defRPr>
             </a:lvl8pPr>
-            <a:lvl9pPr marL="3657600" indent="0">
+            <a:lvl9pPr marL="3657692" indent="0">
               <a:buNone/>
               <a:defRPr sz="1600">
                 <a:solidFill>
@@ -1269,7 +1281,7 @@
         </p:nvSpPr>
         <p:spPr>
           <a:xfrm>
-            <a:off x="838200" y="1825625"/>
+            <a:off x="838201" y="1825625"/>
             <a:ext cx="5181600" cy="4351338"/>
           </a:xfrm>
         </p:spPr>
@@ -1331,7 +1343,7 @@
         </p:nvSpPr>
         <p:spPr>
           <a:xfrm>
-            <a:off x="6172200" y="1825625"/>
+            <a:off x="6172201" y="1825625"/>
             <a:ext cx="5181600" cy="4351338"/>
           </a:xfrm>
         </p:spPr>
@@ -1506,7 +1518,7 @@
         </p:nvSpPr>
         <p:spPr>
           <a:xfrm>
-            <a:off x="839788" y="365125"/>
+            <a:off x="839789" y="365125"/>
             <a:ext cx="10515600" cy="1325563"/>
           </a:xfrm>
         </p:spPr>
@@ -1539,7 +1551,7 @@
         </p:nvSpPr>
         <p:spPr>
           <a:xfrm>
-            <a:off x="839788" y="1681163"/>
+            <a:off x="839791" y="1681163"/>
             <a:ext cx="5157787" cy="823912"/>
           </a:xfrm>
         </p:spPr>
@@ -1550,35 +1562,35 @@
               <a:buNone/>
               <a:defRPr sz="2400" b="1"/>
             </a:lvl1pPr>
-            <a:lvl2pPr marL="457200" indent="0">
+            <a:lvl2pPr marL="457212" indent="0">
               <a:buNone/>
               <a:defRPr sz="2000" b="1"/>
             </a:lvl2pPr>
-            <a:lvl3pPr marL="914400" indent="0">
-              <a:buNone/>
-              <a:defRPr sz="1800" b="1"/>
+            <a:lvl3pPr marL="914423" indent="0">
+              <a:buNone/>
+              <a:defRPr sz="1801" b="1"/>
             </a:lvl3pPr>
-            <a:lvl4pPr marL="1371600" indent="0">
+            <a:lvl4pPr marL="1371634" indent="0">
               <a:buNone/>
               <a:defRPr sz="1600" b="1"/>
             </a:lvl4pPr>
-            <a:lvl5pPr marL="1828800" indent="0">
+            <a:lvl5pPr marL="1828846" indent="0">
               <a:buNone/>
               <a:defRPr sz="1600" b="1"/>
             </a:lvl5pPr>
-            <a:lvl6pPr marL="2286000" indent="0">
+            <a:lvl6pPr marL="2286057" indent="0">
               <a:buNone/>
               <a:defRPr sz="1600" b="1"/>
             </a:lvl6pPr>
-            <a:lvl7pPr marL="2743200" indent="0">
+            <a:lvl7pPr marL="2743268" indent="0">
               <a:buNone/>
               <a:defRPr sz="1600" b="1"/>
             </a:lvl7pPr>
-            <a:lvl8pPr marL="3200400" indent="0">
+            <a:lvl8pPr marL="3200480" indent="0">
               <a:buNone/>
               <a:defRPr sz="1600" b="1"/>
             </a:lvl8pPr>
-            <a:lvl9pPr marL="3657600" indent="0">
+            <a:lvl9pPr marL="3657692" indent="0">
               <a:buNone/>
               <a:defRPr sz="1600" b="1"/>
             </a:lvl9pPr>
@@ -1610,7 +1622,7 @@
         </p:nvSpPr>
         <p:spPr>
           <a:xfrm>
-            <a:off x="839788" y="2505075"/>
+            <a:off x="839791" y="2505076"/>
             <a:ext cx="5157787" cy="3684588"/>
           </a:xfrm>
         </p:spPr>
@@ -1672,7 +1684,7 @@
         </p:nvSpPr>
         <p:spPr>
           <a:xfrm>
-            <a:off x="6172200" y="1681163"/>
+            <a:off x="6172203" y="1681163"/>
             <a:ext cx="5183188" cy="823912"/>
           </a:xfrm>
         </p:spPr>
@@ -1683,35 +1695,35 @@
               <a:buNone/>
               <a:defRPr sz="2400" b="1"/>
             </a:lvl1pPr>
-            <a:lvl2pPr marL="457200" indent="0">
+            <a:lvl2pPr marL="457212" indent="0">
               <a:buNone/>
               <a:defRPr sz="2000" b="1"/>
             </a:lvl2pPr>
-            <a:lvl3pPr marL="914400" indent="0">
-              <a:buNone/>
-              <a:defRPr sz="1800" b="1"/>
+            <a:lvl3pPr marL="914423" indent="0">
+              <a:buNone/>
+              <a:defRPr sz="1801" b="1"/>
             </a:lvl3pPr>
-            <a:lvl4pPr marL="1371600" indent="0">
+            <a:lvl4pPr marL="1371634" indent="0">
               <a:buNone/>
               <a:defRPr sz="1600" b="1"/>
             </a:lvl4pPr>
-            <a:lvl5pPr marL="1828800" indent="0">
+            <a:lvl5pPr marL="1828846" indent="0">
               <a:buNone/>
               <a:defRPr sz="1600" b="1"/>
             </a:lvl5pPr>
-            <a:lvl6pPr marL="2286000" indent="0">
+            <a:lvl6pPr marL="2286057" indent="0">
               <a:buNone/>
               <a:defRPr sz="1600" b="1"/>
             </a:lvl6pPr>
-            <a:lvl7pPr marL="2743200" indent="0">
+            <a:lvl7pPr marL="2743268" indent="0">
               <a:buNone/>
               <a:defRPr sz="1600" b="1"/>
             </a:lvl7pPr>
-            <a:lvl8pPr marL="3200400" indent="0">
+            <a:lvl8pPr marL="3200480" indent="0">
               <a:buNone/>
               <a:defRPr sz="1600" b="1"/>
             </a:lvl8pPr>
-            <a:lvl9pPr marL="3657600" indent="0">
+            <a:lvl9pPr marL="3657692" indent="0">
               <a:buNone/>
               <a:defRPr sz="1600" b="1"/>
             </a:lvl9pPr>
@@ -1743,7 +1755,7 @@
         </p:nvSpPr>
         <p:spPr>
           <a:xfrm>
-            <a:off x="6172200" y="2505075"/>
+            <a:off x="6172203" y="2505076"/>
             <a:ext cx="5183188" cy="3684588"/>
           </a:xfrm>
         </p:spPr>
@@ -2172,8 +2184,8 @@
         </p:nvSpPr>
         <p:spPr>
           <a:xfrm>
-            <a:off x="839788" y="457200"/>
-            <a:ext cx="3932237" cy="1600200"/>
+            <a:off x="839791" y="457200"/>
+            <a:ext cx="3932236" cy="1600200"/>
           </a:xfrm>
         </p:spPr>
         <p:txBody>
@@ -2209,8 +2221,8 @@
         </p:nvSpPr>
         <p:spPr>
           <a:xfrm>
-            <a:off x="5183188" y="987425"/>
-            <a:ext cx="6172200" cy="4873625"/>
+            <a:off x="5183190" y="987425"/>
+            <a:ext cx="6172201" cy="4873625"/>
           </a:xfrm>
         </p:spPr>
         <p:txBody>
@@ -2299,8 +2311,8 @@
         </p:nvSpPr>
         <p:spPr>
           <a:xfrm>
-            <a:off x="839788" y="2057400"/>
-            <a:ext cx="3932237" cy="3811588"/>
+            <a:off x="839791" y="2057400"/>
+            <a:ext cx="3932236" cy="3811588"/>
           </a:xfrm>
         </p:spPr>
         <p:txBody>
@@ -2310,37 +2322,37 @@
               <a:buNone/>
               <a:defRPr sz="1600"/>
             </a:lvl1pPr>
-            <a:lvl2pPr marL="457200" indent="0">
-              <a:buNone/>
-              <a:defRPr sz="1400"/>
+            <a:lvl2pPr marL="457212" indent="0">
+              <a:buNone/>
+              <a:defRPr sz="1401"/>
             </a:lvl2pPr>
-            <a:lvl3pPr marL="914400" indent="0">
+            <a:lvl3pPr marL="914423" indent="0">
               <a:buNone/>
               <a:defRPr sz="1200"/>
             </a:lvl3pPr>
-            <a:lvl4pPr marL="1371600" indent="0">
-              <a:buNone/>
-              <a:defRPr sz="1000"/>
+            <a:lvl4pPr marL="1371634" indent="0">
+              <a:buNone/>
+              <a:defRPr sz="1001"/>
             </a:lvl4pPr>
-            <a:lvl5pPr marL="1828800" indent="0">
-              <a:buNone/>
-              <a:defRPr sz="1000"/>
+            <a:lvl5pPr marL="1828846" indent="0">
+              <a:buNone/>
+              <a:defRPr sz="1001"/>
             </a:lvl5pPr>
-            <a:lvl6pPr marL="2286000" indent="0">
-              <a:buNone/>
-              <a:defRPr sz="1000"/>
+            <a:lvl6pPr marL="2286057" indent="0">
+              <a:buNone/>
+              <a:defRPr sz="1001"/>
             </a:lvl6pPr>
-            <a:lvl7pPr marL="2743200" indent="0">
-              <a:buNone/>
-              <a:defRPr sz="1000"/>
+            <a:lvl7pPr marL="2743268" indent="0">
+              <a:buNone/>
+              <a:defRPr sz="1001"/>
             </a:lvl7pPr>
-            <a:lvl8pPr marL="3200400" indent="0">
-              <a:buNone/>
-              <a:defRPr sz="1000"/>
+            <a:lvl8pPr marL="3200480" indent="0">
+              <a:buNone/>
+              <a:defRPr sz="1001"/>
             </a:lvl8pPr>
-            <a:lvl9pPr marL="3657600" indent="0">
-              <a:buNone/>
-              <a:defRPr sz="1000"/>
+            <a:lvl9pPr marL="3657692" indent="0">
+              <a:buNone/>
+              <a:defRPr sz="1001"/>
             </a:lvl9pPr>
           </a:lstStyle>
           <a:p>
@@ -2483,8 +2495,8 @@
         </p:nvSpPr>
         <p:spPr>
           <a:xfrm>
-            <a:off x="839788" y="457200"/>
-            <a:ext cx="3932237" cy="1600200"/>
+            <a:off x="839791" y="457200"/>
+            <a:ext cx="3932236" cy="1600200"/>
           </a:xfrm>
         </p:spPr>
         <p:txBody>
@@ -2520,8 +2532,8 @@
         </p:nvSpPr>
         <p:spPr>
           <a:xfrm>
-            <a:off x="5183188" y="987425"/>
-            <a:ext cx="6172200" cy="4873625"/>
+            <a:off x="5183190" y="987425"/>
+            <a:ext cx="6172201" cy="4873625"/>
           </a:xfrm>
         </p:spPr>
         <p:txBody>
@@ -2531,35 +2543,35 @@
               <a:buNone/>
               <a:defRPr sz="3200"/>
             </a:lvl1pPr>
-            <a:lvl2pPr marL="457200" indent="0">
+            <a:lvl2pPr marL="457212" indent="0">
               <a:buNone/>
               <a:defRPr sz="2800"/>
             </a:lvl2pPr>
-            <a:lvl3pPr marL="914400" indent="0">
+            <a:lvl3pPr marL="914423" indent="0">
               <a:buNone/>
               <a:defRPr sz="2400"/>
             </a:lvl3pPr>
-            <a:lvl4pPr marL="1371600" indent="0">
+            <a:lvl4pPr marL="1371634" indent="0">
               <a:buNone/>
               <a:defRPr sz="2000"/>
             </a:lvl4pPr>
-            <a:lvl5pPr marL="1828800" indent="0">
+            <a:lvl5pPr marL="1828846" indent="0">
               <a:buNone/>
               <a:defRPr sz="2000"/>
             </a:lvl5pPr>
-            <a:lvl6pPr marL="2286000" indent="0">
+            <a:lvl6pPr marL="2286057" indent="0">
               <a:buNone/>
               <a:defRPr sz="2000"/>
             </a:lvl6pPr>
-            <a:lvl7pPr marL="2743200" indent="0">
+            <a:lvl7pPr marL="2743268" indent="0">
               <a:buNone/>
               <a:defRPr sz="2000"/>
             </a:lvl7pPr>
-            <a:lvl8pPr marL="3200400" indent="0">
+            <a:lvl8pPr marL="3200480" indent="0">
               <a:buNone/>
               <a:defRPr sz="2000"/>
             </a:lvl8pPr>
-            <a:lvl9pPr marL="3657600" indent="0">
+            <a:lvl9pPr marL="3657692" indent="0">
               <a:buNone/>
               <a:defRPr sz="2000"/>
             </a:lvl9pPr>
@@ -2587,8 +2599,8 @@
         </p:nvSpPr>
         <p:spPr>
           <a:xfrm>
-            <a:off x="839788" y="2057400"/>
-            <a:ext cx="3932237" cy="3811588"/>
+            <a:off x="839791" y="2057400"/>
+            <a:ext cx="3932236" cy="3811588"/>
           </a:xfrm>
         </p:spPr>
         <p:txBody>
@@ -2598,37 +2610,37 @@
               <a:buNone/>
               <a:defRPr sz="1600"/>
             </a:lvl1pPr>
-            <a:lvl2pPr marL="457200" indent="0">
-              <a:buNone/>
-              <a:defRPr sz="1400"/>
+            <a:lvl2pPr marL="457212" indent="0">
+              <a:buNone/>
+              <a:defRPr sz="1401"/>
             </a:lvl2pPr>
-            <a:lvl3pPr marL="914400" indent="0">
+            <a:lvl3pPr marL="914423" indent="0">
               <a:buNone/>
               <a:defRPr sz="1200"/>
             </a:lvl3pPr>
-            <a:lvl4pPr marL="1371600" indent="0">
-              <a:buNone/>
-              <a:defRPr sz="1000"/>
+            <a:lvl4pPr marL="1371634" indent="0">
+              <a:buNone/>
+              <a:defRPr sz="1001"/>
             </a:lvl4pPr>
-            <a:lvl5pPr marL="1828800" indent="0">
-              <a:buNone/>
-              <a:defRPr sz="1000"/>
+            <a:lvl5pPr marL="1828846" indent="0">
+              <a:buNone/>
+              <a:defRPr sz="1001"/>
             </a:lvl5pPr>
-            <a:lvl6pPr marL="2286000" indent="0">
-              <a:buNone/>
-              <a:defRPr sz="1000"/>
+            <a:lvl6pPr marL="2286057" indent="0">
+              <a:buNone/>
+              <a:defRPr sz="1001"/>
             </a:lvl6pPr>
-            <a:lvl7pPr marL="2743200" indent="0">
-              <a:buNone/>
-              <a:defRPr sz="1000"/>
+            <a:lvl7pPr marL="2743268" indent="0">
+              <a:buNone/>
+              <a:defRPr sz="1001"/>
             </a:lvl7pPr>
-            <a:lvl8pPr marL="3200400" indent="0">
-              <a:buNone/>
-              <a:defRPr sz="1000"/>
+            <a:lvl8pPr marL="3200480" indent="0">
+              <a:buNone/>
+              <a:defRPr sz="1001"/>
             </a:lvl8pPr>
-            <a:lvl9pPr marL="3657600" indent="0">
-              <a:buNone/>
-              <a:defRPr sz="1000"/>
+            <a:lvl9pPr marL="3657692" indent="0">
+              <a:buNone/>
+              <a:defRPr sz="1001"/>
             </a:lvl9pPr>
           </a:lstStyle>
           <a:p>
@@ -2776,7 +2788,7 @@
         </p:nvSpPr>
         <p:spPr>
           <a:xfrm>
-            <a:off x="838200" y="365125"/>
+            <a:off x="838204" y="365125"/>
             <a:ext cx="10515600" cy="1325563"/>
           </a:xfrm>
           <a:prstGeom prst="rect">
@@ -2814,7 +2826,7 @@
         </p:nvSpPr>
         <p:spPr>
           <a:xfrm>
-            <a:off x="838200" y="1825625"/>
+            <a:off x="838204" y="1825625"/>
             <a:ext cx="10515600" cy="4351338"/>
           </a:xfrm>
           <a:prstGeom prst="rect">
@@ -2881,7 +2893,7 @@
         </p:nvSpPr>
         <p:spPr>
           <a:xfrm>
-            <a:off x="838200" y="6356350"/>
+            <a:off x="838201" y="6356352"/>
             <a:ext cx="2743200" cy="365125"/>
           </a:xfrm>
           <a:prstGeom prst="rect">
@@ -2928,7 +2940,7 @@
         </p:nvSpPr>
         <p:spPr>
           <a:xfrm>
-            <a:off x="4038600" y="6356350"/>
+            <a:off x="4038604" y="6356352"/>
             <a:ext cx="4114800" cy="365125"/>
           </a:xfrm>
           <a:prstGeom prst="rect">
@@ -2971,7 +2983,7 @@
         </p:nvSpPr>
         <p:spPr>
           <a:xfrm>
-            <a:off x="8610600" y="6356350"/>
+            <a:off x="8610601" y="6356352"/>
             <a:ext cx="2743200" cy="365125"/>
           </a:xfrm>
           <a:prstGeom prst="rect">
@@ -3023,7 +3035,7 @@
   </p:sldLayoutIdLst>
   <p:txStyles>
     <p:titleStyle>
-      <a:lvl1pPr algn="l" defTabSz="914400" rtl="0" eaLnBrk="1" latinLnBrk="0" hangingPunct="1">
+      <a:lvl1pPr algn="l" defTabSz="914423" rtl="0" eaLnBrk="1" latinLnBrk="0" hangingPunct="1">
         <a:lnSpc>
           <a:spcPct val="90000"/>
         </a:lnSpc>
@@ -3042,12 +3054,12 @@
       </a:lvl1pPr>
     </p:titleStyle>
     <p:bodyStyle>
-      <a:lvl1pPr marL="228600" indent="-228600" algn="l" defTabSz="914400" rtl="0" eaLnBrk="1" latinLnBrk="0" hangingPunct="1">
+      <a:lvl1pPr marL="228607" indent="-228607" algn="l" defTabSz="914423" rtl="0" eaLnBrk="1" latinLnBrk="0" hangingPunct="1">
         <a:lnSpc>
           <a:spcPct val="90000"/>
         </a:lnSpc>
         <a:spcBef>
-          <a:spcPts val="1000"/>
+          <a:spcPts val="1001"/>
         </a:spcBef>
         <a:buFont typeface="Arial" panose="020B0604020202020204" pitchFamily="34" charset="0"/>
         <a:buChar char="•"/>
@@ -3060,7 +3072,7 @@
           <a:cs typeface="+mn-cs"/>
         </a:defRPr>
       </a:lvl1pPr>
-      <a:lvl2pPr marL="685800" indent="-228600" algn="l" defTabSz="914400" rtl="0" eaLnBrk="1" latinLnBrk="0" hangingPunct="1">
+      <a:lvl2pPr marL="685817" indent="-228607" algn="l" defTabSz="914423" rtl="0" eaLnBrk="1" latinLnBrk="0" hangingPunct="1">
         <a:lnSpc>
           <a:spcPct val="90000"/>
         </a:lnSpc>
@@ -3078,7 +3090,7 @@
           <a:cs typeface="+mn-cs"/>
         </a:defRPr>
       </a:lvl2pPr>
-      <a:lvl3pPr marL="1143000" indent="-228600" algn="l" defTabSz="914400" rtl="0" eaLnBrk="1" latinLnBrk="0" hangingPunct="1">
+      <a:lvl3pPr marL="1143029" indent="-228607" algn="l" defTabSz="914423" rtl="0" eaLnBrk="1" latinLnBrk="0" hangingPunct="1">
         <a:lnSpc>
           <a:spcPct val="90000"/>
         </a:lnSpc>
@@ -3096,7 +3108,7 @@
           <a:cs typeface="+mn-cs"/>
         </a:defRPr>
       </a:lvl3pPr>
-      <a:lvl4pPr marL="1600200" indent="-228600" algn="l" defTabSz="914400" rtl="0" eaLnBrk="1" latinLnBrk="0" hangingPunct="1">
+      <a:lvl4pPr marL="1600241" indent="-228607" algn="l" defTabSz="914423" rtl="0" eaLnBrk="1" latinLnBrk="0" hangingPunct="1">
         <a:lnSpc>
           <a:spcPct val="90000"/>
         </a:lnSpc>
@@ -3105,7 +3117,7 @@
         </a:spcBef>
         <a:buFont typeface="Arial" panose="020B0604020202020204" pitchFamily="34" charset="0"/>
         <a:buChar char="•"/>
-        <a:defRPr sz="1800" kern="1200">
+        <a:defRPr sz="1801" kern="1200">
           <a:solidFill>
             <a:schemeClr val="tx1"/>
           </a:solidFill>
@@ -3114,7 +3126,7 @@
           <a:cs typeface="+mn-cs"/>
         </a:defRPr>
       </a:lvl4pPr>
-      <a:lvl5pPr marL="2057400" indent="-228600" algn="l" defTabSz="914400" rtl="0" eaLnBrk="1" latinLnBrk="0" hangingPunct="1">
+      <a:lvl5pPr marL="2057453" indent="-228607" algn="l" defTabSz="914423" rtl="0" eaLnBrk="1" latinLnBrk="0" hangingPunct="1">
         <a:lnSpc>
           <a:spcPct val="90000"/>
         </a:lnSpc>
@@ -3123,7 +3135,7 @@
         </a:spcBef>
         <a:buFont typeface="Arial" panose="020B0604020202020204" pitchFamily="34" charset="0"/>
         <a:buChar char="•"/>
-        <a:defRPr sz="1800" kern="1200">
+        <a:defRPr sz="1801" kern="1200">
           <a:solidFill>
             <a:schemeClr val="tx1"/>
           </a:solidFill>
@@ -3132,7 +3144,7 @@
           <a:cs typeface="+mn-cs"/>
         </a:defRPr>
       </a:lvl5pPr>
-      <a:lvl6pPr marL="2514600" indent="-228600" algn="l" defTabSz="914400" rtl="0" eaLnBrk="1" latinLnBrk="0" hangingPunct="1">
+      <a:lvl6pPr marL="2514664" indent="-228607" algn="l" defTabSz="914423" rtl="0" eaLnBrk="1" latinLnBrk="0" hangingPunct="1">
         <a:lnSpc>
           <a:spcPct val="90000"/>
         </a:lnSpc>
@@ -3141,7 +3153,7 @@
         </a:spcBef>
         <a:buFont typeface="Arial" panose="020B0604020202020204" pitchFamily="34" charset="0"/>
         <a:buChar char="•"/>
-        <a:defRPr sz="1800" kern="1200">
+        <a:defRPr sz="1801" kern="1200">
           <a:solidFill>
             <a:schemeClr val="tx1"/>
           </a:solidFill>
@@ -3150,7 +3162,7 @@
           <a:cs typeface="+mn-cs"/>
         </a:defRPr>
       </a:lvl6pPr>
-      <a:lvl7pPr marL="2971800" indent="-228600" algn="l" defTabSz="914400" rtl="0" eaLnBrk="1" latinLnBrk="0" hangingPunct="1">
+      <a:lvl7pPr marL="2971875" indent="-228607" algn="l" defTabSz="914423" rtl="0" eaLnBrk="1" latinLnBrk="0" hangingPunct="1">
         <a:lnSpc>
           <a:spcPct val="90000"/>
         </a:lnSpc>
@@ -3159,7 +3171,7 @@
         </a:spcBef>
         <a:buFont typeface="Arial" panose="020B0604020202020204" pitchFamily="34" charset="0"/>
         <a:buChar char="•"/>
-        <a:defRPr sz="1800" kern="1200">
+        <a:defRPr sz="1801" kern="1200">
           <a:solidFill>
             <a:schemeClr val="tx1"/>
           </a:solidFill>
@@ -3168,7 +3180,7 @@
           <a:cs typeface="+mn-cs"/>
         </a:defRPr>
       </a:lvl7pPr>
-      <a:lvl8pPr marL="3429000" indent="-228600" algn="l" defTabSz="914400" rtl="0" eaLnBrk="1" latinLnBrk="0" hangingPunct="1">
+      <a:lvl8pPr marL="3429087" indent="-228607" algn="l" defTabSz="914423" rtl="0" eaLnBrk="1" latinLnBrk="0" hangingPunct="1">
         <a:lnSpc>
           <a:spcPct val="90000"/>
         </a:lnSpc>
@@ -3177,7 +3189,7 @@
         </a:spcBef>
         <a:buFont typeface="Arial" panose="020B0604020202020204" pitchFamily="34" charset="0"/>
         <a:buChar char="•"/>
-        <a:defRPr sz="1800" kern="1200">
+        <a:defRPr sz="1801" kern="1200">
           <a:solidFill>
             <a:schemeClr val="tx1"/>
           </a:solidFill>
@@ -3186,7 +3198,7 @@
           <a:cs typeface="+mn-cs"/>
         </a:defRPr>
       </a:lvl8pPr>
-      <a:lvl9pPr marL="3886200" indent="-228600" algn="l" defTabSz="914400" rtl="0" eaLnBrk="1" latinLnBrk="0" hangingPunct="1">
+      <a:lvl9pPr marL="3886297" indent="-228607" algn="l" defTabSz="914423" rtl="0" eaLnBrk="1" latinLnBrk="0" hangingPunct="1">
         <a:lnSpc>
           <a:spcPct val="90000"/>
         </a:lnSpc>
@@ -3195,7 +3207,7 @@
         </a:spcBef>
         <a:buFont typeface="Arial" panose="020B0604020202020204" pitchFamily="34" charset="0"/>
         <a:buChar char="•"/>
-        <a:defRPr sz="1800" kern="1200">
+        <a:defRPr sz="1801" kern="1200">
           <a:solidFill>
             <a:schemeClr val="tx1"/>
           </a:solidFill>
@@ -3209,8 +3221,8 @@
       <a:defPPr>
         <a:defRPr lang="en-US"/>
       </a:defPPr>
-      <a:lvl1pPr marL="0" algn="l" defTabSz="914400" rtl="0" eaLnBrk="1" latinLnBrk="0" hangingPunct="1">
-        <a:defRPr sz="1800" kern="1200">
+      <a:lvl1pPr marL="0" algn="l" defTabSz="914423" rtl="0" eaLnBrk="1" latinLnBrk="0" hangingPunct="1">
+        <a:defRPr sz="1801" kern="1200">
           <a:solidFill>
             <a:schemeClr val="tx1"/>
           </a:solidFill>
@@ -3219,8 +3231,8 @@
           <a:cs typeface="+mn-cs"/>
         </a:defRPr>
       </a:lvl1pPr>
-      <a:lvl2pPr marL="457200" algn="l" defTabSz="914400" rtl="0" eaLnBrk="1" latinLnBrk="0" hangingPunct="1">
-        <a:defRPr sz="1800" kern="1200">
+      <a:lvl2pPr marL="457212" algn="l" defTabSz="914423" rtl="0" eaLnBrk="1" latinLnBrk="0" hangingPunct="1">
+        <a:defRPr sz="1801" kern="1200">
           <a:solidFill>
             <a:schemeClr val="tx1"/>
           </a:solidFill>
@@ -3229,8 +3241,8 @@
           <a:cs typeface="+mn-cs"/>
         </a:defRPr>
       </a:lvl2pPr>
-      <a:lvl3pPr marL="914400" algn="l" defTabSz="914400" rtl="0" eaLnBrk="1" latinLnBrk="0" hangingPunct="1">
-        <a:defRPr sz="1800" kern="1200">
+      <a:lvl3pPr marL="914423" algn="l" defTabSz="914423" rtl="0" eaLnBrk="1" latinLnBrk="0" hangingPunct="1">
+        <a:defRPr sz="1801" kern="1200">
           <a:solidFill>
             <a:schemeClr val="tx1"/>
           </a:solidFill>
@@ -3239,8 +3251,8 @@
           <a:cs typeface="+mn-cs"/>
         </a:defRPr>
       </a:lvl3pPr>
-      <a:lvl4pPr marL="1371600" algn="l" defTabSz="914400" rtl="0" eaLnBrk="1" latinLnBrk="0" hangingPunct="1">
-        <a:defRPr sz="1800" kern="1200">
+      <a:lvl4pPr marL="1371634" algn="l" defTabSz="914423" rtl="0" eaLnBrk="1" latinLnBrk="0" hangingPunct="1">
+        <a:defRPr sz="1801" kern="1200">
           <a:solidFill>
             <a:schemeClr val="tx1"/>
           </a:solidFill>
@@ -3249,8 +3261,8 @@
           <a:cs typeface="+mn-cs"/>
         </a:defRPr>
       </a:lvl4pPr>
-      <a:lvl5pPr marL="1828800" algn="l" defTabSz="914400" rtl="0" eaLnBrk="1" latinLnBrk="0" hangingPunct="1">
-        <a:defRPr sz="1800" kern="1200">
+      <a:lvl5pPr marL="1828846" algn="l" defTabSz="914423" rtl="0" eaLnBrk="1" latinLnBrk="0" hangingPunct="1">
+        <a:defRPr sz="1801" kern="1200">
           <a:solidFill>
             <a:schemeClr val="tx1"/>
           </a:solidFill>
@@ -3259,8 +3271,8 @@
           <a:cs typeface="+mn-cs"/>
         </a:defRPr>
       </a:lvl5pPr>
-      <a:lvl6pPr marL="2286000" algn="l" defTabSz="914400" rtl="0" eaLnBrk="1" latinLnBrk="0" hangingPunct="1">
-        <a:defRPr sz="1800" kern="1200">
+      <a:lvl6pPr marL="2286057" algn="l" defTabSz="914423" rtl="0" eaLnBrk="1" latinLnBrk="0" hangingPunct="1">
+        <a:defRPr sz="1801" kern="1200">
           <a:solidFill>
             <a:schemeClr val="tx1"/>
           </a:solidFill>
@@ -3269,8 +3281,8 @@
           <a:cs typeface="+mn-cs"/>
         </a:defRPr>
       </a:lvl6pPr>
-      <a:lvl7pPr marL="2743200" algn="l" defTabSz="914400" rtl="0" eaLnBrk="1" latinLnBrk="0" hangingPunct="1">
-        <a:defRPr sz="1800" kern="1200">
+      <a:lvl7pPr marL="2743268" algn="l" defTabSz="914423" rtl="0" eaLnBrk="1" latinLnBrk="0" hangingPunct="1">
+        <a:defRPr sz="1801" kern="1200">
           <a:solidFill>
             <a:schemeClr val="tx1"/>
           </a:solidFill>
@@ -3279,8 +3291,8 @@
           <a:cs typeface="+mn-cs"/>
         </a:defRPr>
       </a:lvl7pPr>
-      <a:lvl8pPr marL="3200400" algn="l" defTabSz="914400" rtl="0" eaLnBrk="1" latinLnBrk="0" hangingPunct="1">
-        <a:defRPr sz="1800" kern="1200">
+      <a:lvl8pPr marL="3200480" algn="l" defTabSz="914423" rtl="0" eaLnBrk="1" latinLnBrk="0" hangingPunct="1">
+        <a:defRPr sz="1801" kern="1200">
           <a:solidFill>
             <a:schemeClr val="tx1"/>
           </a:solidFill>
@@ -3289,8 +3301,8 @@
           <a:cs typeface="+mn-cs"/>
         </a:defRPr>
       </a:lvl8pPr>
-      <a:lvl9pPr marL="3657600" algn="l" defTabSz="914400" rtl="0" eaLnBrk="1" latinLnBrk="0" hangingPunct="1">
-        <a:defRPr sz="1800" kern="1200">
+      <a:lvl9pPr marL="3657692" algn="l" defTabSz="914423" rtl="0" eaLnBrk="1" latinLnBrk="0" hangingPunct="1">
+        <a:defRPr sz="1801" kern="1200">
           <a:solidFill>
             <a:schemeClr val="tx1"/>
           </a:solidFill>
@@ -3348,7 +3360,7 @@
         <p:spPr>
           <a:xfrm>
             <a:off x="75304" y="766719"/>
-            <a:ext cx="2150348" cy="911887"/>
+            <a:ext cx="2150348" cy="911886"/>
           </a:xfrm>
         </p:spPr>
         <p:txBody>
@@ -3378,7 +3390,7 @@
         </p:nvSpPr>
         <p:spPr>
           <a:xfrm>
-            <a:off x="258567" y="83624"/>
+            <a:off x="258567" y="83625"/>
             <a:ext cx="1877052" cy="1209378"/>
           </a:xfrm>
           <a:prstGeom prst="roundRect">
@@ -3407,7 +3419,7 @@
           <a:p>
             <a:pPr algn="ctr"/>
             <a:r>
-              <a:rPr lang="en-US" dirty="0"/>
+              <a:rPr lang="en-US" sz="1801" dirty="0"/>
               <a:t>Image/link</a:t>
             </a:r>
           </a:p>
@@ -3427,7 +3439,7 @@
         </p:nvSpPr>
         <p:spPr>
           <a:xfrm>
-            <a:off x="2586691" y="69184"/>
+            <a:off x="2586692" y="69186"/>
             <a:ext cx="1877052" cy="1209378"/>
           </a:xfrm>
           <a:prstGeom prst="roundRect">
@@ -3456,7 +3468,7 @@
           <a:p>
             <a:pPr algn="ctr"/>
             <a:r>
-              <a:rPr lang="en-US" dirty="0"/>
+              <a:rPr lang="en-US" sz="1801" dirty="0"/>
               <a:t>Image/link</a:t>
             </a:r>
           </a:p>
@@ -3476,7 +3488,7 @@
         </p:nvSpPr>
         <p:spPr>
           <a:xfrm>
-            <a:off x="5040107" y="83624"/>
+            <a:off x="5040107" y="83625"/>
             <a:ext cx="1877052" cy="1209378"/>
           </a:xfrm>
           <a:prstGeom prst="roundRect">
@@ -3505,10 +3517,9 @@
           <a:p>
             <a:pPr algn="ctr"/>
             <a:r>
-              <a:rPr lang="en-US"/>
+              <a:rPr lang="en-US" sz="1801" dirty="0"/>
               <a:t>Image/link</a:t>
             </a:r>
-            <a:endParaRPr lang="en-US" dirty="0"/>
           </a:p>
         </p:txBody>
       </p:sp>
@@ -3526,7 +3537,7 @@
         </p:nvSpPr>
         <p:spPr>
           <a:xfrm>
-            <a:off x="9807354" y="83624"/>
+            <a:off x="9807355" y="83625"/>
             <a:ext cx="1877052" cy="1209378"/>
           </a:xfrm>
           <a:prstGeom prst="roundRect">
@@ -3555,10 +3566,10 @@
           <a:p>
             <a:pPr algn="ctr"/>
             <a:r>
-              <a:rPr lang="en-US"/>
+              <a:rPr lang="en-US" sz="1801"/>
               <a:t>Image/link</a:t>
             </a:r>
-            <a:endParaRPr lang="en-US" dirty="0"/>
+            <a:endParaRPr lang="en-US" sz="1801" dirty="0"/>
           </a:p>
         </p:txBody>
       </p:sp>
@@ -3576,7 +3587,7 @@
         </p:nvSpPr>
         <p:spPr>
           <a:xfrm>
-            <a:off x="7493524" y="76404"/>
+            <a:off x="7493524" y="76405"/>
             <a:ext cx="1877052" cy="1209378"/>
           </a:xfrm>
           <a:prstGeom prst="roundRect">
@@ -3605,10 +3616,10 @@
           <a:p>
             <a:pPr algn="ctr"/>
             <a:r>
-              <a:rPr lang="en-US"/>
+              <a:rPr lang="en-US" sz="1801"/>
               <a:t>Image/link</a:t>
             </a:r>
-            <a:endParaRPr lang="en-US" dirty="0"/>
+            <a:endParaRPr lang="en-US" sz="1801" dirty="0"/>
           </a:p>
         </p:txBody>
       </p:sp>
@@ -3626,7 +3637,7 @@
         </p:nvSpPr>
         <p:spPr>
           <a:xfrm>
-            <a:off x="3059977" y="1162729"/>
+            <a:off x="3059978" y="1162731"/>
             <a:ext cx="1174494" cy="461665"/>
           </a:xfrm>
           <a:prstGeom prst="rect">
@@ -3661,7 +3672,7 @@
         </p:nvSpPr>
         <p:spPr>
           <a:xfrm>
-            <a:off x="5624069" y="1162729"/>
+            <a:off x="5624071" y="1162731"/>
             <a:ext cx="1174494" cy="461665"/>
           </a:xfrm>
           <a:prstGeom prst="rect">
@@ -3696,7 +3707,7 @@
         </p:nvSpPr>
         <p:spPr>
           <a:xfrm>
-            <a:off x="10158633" y="1162729"/>
+            <a:off x="10158634" y="1162731"/>
             <a:ext cx="1174494" cy="461665"/>
           </a:xfrm>
           <a:prstGeom prst="rect">
@@ -3731,7 +3742,7 @@
         </p:nvSpPr>
         <p:spPr>
           <a:xfrm>
-            <a:off x="7950649" y="1162729"/>
+            <a:off x="7950650" y="1162731"/>
             <a:ext cx="1174494" cy="461665"/>
           </a:xfrm>
           <a:prstGeom prst="rect">
@@ -3766,7 +3777,7 @@
         </p:nvSpPr>
         <p:spPr>
           <a:xfrm>
-            <a:off x="9294497" y="2187179"/>
+            <a:off x="9294497" y="2187180"/>
             <a:ext cx="2389909" cy="2863273"/>
           </a:xfrm>
           <a:prstGeom prst="roundRect">
@@ -3795,28 +3806,28 @@
           <a:p>
             <a:pPr algn="ctr"/>
             <a:r>
-              <a:rPr lang="en-US" dirty="0"/>
+              <a:rPr lang="en-US" sz="1801" dirty="0"/>
               <a:t>City, state</a:t>
             </a:r>
           </a:p>
           <a:p>
             <a:pPr algn="ctr"/>
             <a:r>
-              <a:rPr lang="en-US" dirty="0"/>
+              <a:rPr lang="en-US" sz="1801" dirty="0"/>
               <a:t>Temperature: </a:t>
             </a:r>
           </a:p>
           <a:p>
             <a:pPr algn="ctr"/>
             <a:r>
-              <a:rPr lang="en-US" dirty="0"/>
+              <a:rPr lang="en-US" sz="1801" dirty="0"/>
               <a:t>Hi/Lo</a:t>
             </a:r>
           </a:p>
           <a:p>
             <a:pPr algn="ctr"/>
             <a:r>
-              <a:rPr lang="en-US" dirty="0"/>
+              <a:rPr lang="en-US" sz="1801" dirty="0"/>
               <a:t>Humidity:</a:t>
             </a:r>
           </a:p>
@@ -3836,8 +3847,8 @@
         </p:nvSpPr>
         <p:spPr>
           <a:xfrm>
-            <a:off x="258567" y="2187179"/>
-            <a:ext cx="5661786" cy="3190733"/>
+            <a:off x="258568" y="2187181"/>
+            <a:ext cx="5661787" cy="3190732"/>
           </a:xfrm>
           <a:prstGeom prst="rect">
             <a:avLst/>
@@ -3874,7 +3885,7 @@
           <a:lstStyle/>
           <a:p>
             <a:pPr algn="ctr"/>
-            <a:endParaRPr lang="en-US" dirty="0"/>
+            <a:endParaRPr lang="en-US" sz="1801" dirty="0"/>
           </a:p>
         </p:txBody>
       </p:sp>
@@ -3893,7 +3904,7 @@
         <p:spPr>
           <a:xfrm>
             <a:off x="258567" y="2187179"/>
-            <a:ext cx="4922528" cy="369332"/>
+            <a:ext cx="4922528" cy="369460"/>
           </a:xfrm>
           <a:prstGeom prst="rect">
             <a:avLst/>
@@ -3907,7 +3918,7 @@
           <a:lstStyle/>
           <a:p>
             <a:r>
-              <a:rPr lang="en-US" dirty="0"/>
+              <a:rPr lang="en-US" sz="1801" dirty="0"/>
               <a:t>Text of location here</a:t>
             </a:r>
           </a:p>
@@ -3974,8 +3985,8 @@
         </p:nvSpPr>
         <p:spPr>
           <a:xfrm>
-            <a:off x="6180677" y="2187179"/>
-            <a:ext cx="3029143" cy="1374168"/>
+            <a:off x="6180679" y="2187179"/>
+            <a:ext cx="3029143" cy="1374169"/>
           </a:xfrm>
           <a:prstGeom prst="roundRect">
             <a:avLst/>
@@ -4003,7 +4014,7 @@
           <a:p>
             <a:pPr algn="ctr"/>
             <a:r>
-              <a:rPr lang="en-US" dirty="0"/>
+              <a:rPr lang="en-US" sz="1801" dirty="0"/>
               <a:t>Images of city</a:t>
             </a:r>
           </a:p>
@@ -4023,8 +4034,8 @@
         </p:nvSpPr>
         <p:spPr>
           <a:xfrm>
-            <a:off x="6180677" y="3676284"/>
-            <a:ext cx="3029143" cy="1374168"/>
+            <a:off x="6180679" y="3676285"/>
+            <a:ext cx="3029143" cy="1374169"/>
           </a:xfrm>
           <a:prstGeom prst="roundRect">
             <a:avLst/>
@@ -4052,10 +4063,10 @@
           <a:p>
             <a:pPr algn="ctr"/>
             <a:r>
-              <a:rPr lang="en-US"/>
+              <a:rPr lang="en-US" sz="1801"/>
               <a:t>Images of city</a:t>
             </a:r>
-            <a:endParaRPr lang="en-US" dirty="0"/>
+            <a:endParaRPr lang="en-US" sz="1801" dirty="0"/>
           </a:p>
         </p:txBody>
       </p:sp>
@@ -4073,8 +4084,8 @@
         </p:nvSpPr>
         <p:spPr>
           <a:xfrm>
-            <a:off x="6180677" y="5165389"/>
-            <a:ext cx="3029143" cy="1374168"/>
+            <a:off x="6180679" y="5165390"/>
+            <a:ext cx="3029143" cy="1374169"/>
           </a:xfrm>
           <a:prstGeom prst="roundRect">
             <a:avLst/>
@@ -4102,10 +4113,10 @@
           <a:p>
             <a:pPr algn="ctr"/>
             <a:r>
-              <a:rPr lang="en-US"/>
+              <a:rPr lang="en-US" sz="1801"/>
               <a:t>Images of city</a:t>
             </a:r>
-            <a:endParaRPr lang="en-US" dirty="0"/>
+            <a:endParaRPr lang="en-US" sz="1801" dirty="0"/>
           </a:p>
         </p:txBody>
       </p:sp>
@@ -4113,6 +4124,1128 @@
     <p:extLst>
       <p:ext uri="{BB962C8B-B14F-4D97-AF65-F5344CB8AC3E}">
         <p14:creationId xmlns:p14="http://schemas.microsoft.com/office/powerpoint/2010/main" val="2760858858"/>
+      </p:ext>
+    </p:extLst>
+  </p:cSld>
+  <p:clrMapOvr>
+    <a:masterClrMapping/>
+  </p:clrMapOvr>
+</p:sld>
+</file>
+
+<file path=ppt/slides/slide2.xml><?xml version="1.0" encoding="utf-8"?>
+<p:sld xmlns:a="http://schemas.openxmlformats.org/drawingml/2006/main" xmlns:r="http://schemas.openxmlformats.org/officeDocument/2006/relationships" xmlns:p="http://schemas.openxmlformats.org/presentationml/2006/main">
+  <p:cSld>
+    <p:bg>
+      <p:bgPr>
+        <a:solidFill>
+          <a:schemeClr val="tx2"/>
+        </a:solidFill>
+        <a:effectLst/>
+      </p:bgPr>
+    </p:bg>
+    <p:spTree>
+      <p:nvGrpSpPr>
+        <p:cNvPr id="1" name=""/>
+        <p:cNvGrpSpPr/>
+        <p:nvPr/>
+      </p:nvGrpSpPr>
+      <p:grpSpPr>
+        <a:xfrm>
+          <a:off x="0" y="0"/>
+          <a:ext cx="0" cy="0"/>
+          <a:chOff x="0" y="0"/>
+          <a:chExt cx="0" cy="0"/>
+        </a:xfrm>
+      </p:grpSpPr>
+      <p:sp>
+        <p:nvSpPr>
+          <p:cNvPr id="3" name="Rectangle 2">
+            <a:extLst>
+              <a:ext uri="{FF2B5EF4-FFF2-40B4-BE49-F238E27FC236}">
+                <a16:creationId xmlns:a16="http://schemas.microsoft.com/office/drawing/2014/main" id="{10F5D216-179A-7879-0394-5A796B90F797}"/>
+              </a:ext>
+            </a:extLst>
+          </p:cNvPr>
+          <p:cNvSpPr/>
+          <p:nvPr/>
+        </p:nvSpPr>
+        <p:spPr>
+          <a:xfrm>
+            <a:off x="390525" y="142875"/>
+            <a:ext cx="3009900" cy="6343650"/>
+          </a:xfrm>
+          <a:prstGeom prst="rect">
+            <a:avLst/>
+          </a:prstGeom>
+          <a:noFill/>
+          <a:ln w="50800"/>
+        </p:spPr>
+        <p:style>
+          <a:lnRef idx="2">
+            <a:schemeClr val="accent1">
+              <a:shade val="15000"/>
+            </a:schemeClr>
+          </a:lnRef>
+          <a:fillRef idx="1">
+            <a:schemeClr val="accent1"/>
+          </a:fillRef>
+          <a:effectRef idx="0">
+            <a:schemeClr val="accent1"/>
+          </a:effectRef>
+          <a:fontRef idx="minor">
+            <a:schemeClr val="lt1"/>
+          </a:fontRef>
+        </p:style>
+        <p:txBody>
+          <a:bodyPr rtlCol="0" anchor="ctr"/>
+          <a:lstStyle/>
+          <a:p>
+            <a:pPr algn="ctr"/>
+            <a:endParaRPr lang="en-US"/>
+          </a:p>
+        </p:txBody>
+      </p:sp>
+      <p:sp>
+        <p:nvSpPr>
+          <p:cNvPr id="9" name="Rectangle 8">
+            <a:extLst>
+              <a:ext uri="{FF2B5EF4-FFF2-40B4-BE49-F238E27FC236}">
+                <a16:creationId xmlns:a16="http://schemas.microsoft.com/office/drawing/2014/main" id="{CA8EC1BD-921A-BC1C-B178-E61D80915724}"/>
+              </a:ext>
+            </a:extLst>
+          </p:cNvPr>
+          <p:cNvSpPr/>
+          <p:nvPr/>
+        </p:nvSpPr>
+        <p:spPr>
+          <a:xfrm>
+            <a:off x="3581400" y="142875"/>
+            <a:ext cx="4171950" cy="6343650"/>
+          </a:xfrm>
+          <a:prstGeom prst="rect">
+            <a:avLst/>
+          </a:prstGeom>
+          <a:noFill/>
+          <a:ln w="50800"/>
+        </p:spPr>
+        <p:style>
+          <a:lnRef idx="2">
+            <a:schemeClr val="accent1">
+              <a:shade val="15000"/>
+            </a:schemeClr>
+          </a:lnRef>
+          <a:fillRef idx="1">
+            <a:schemeClr val="accent1"/>
+          </a:fillRef>
+          <a:effectRef idx="0">
+            <a:schemeClr val="accent1"/>
+          </a:effectRef>
+          <a:fontRef idx="minor">
+            <a:schemeClr val="lt1"/>
+          </a:fontRef>
+        </p:style>
+        <p:txBody>
+          <a:bodyPr rtlCol="0" anchor="ctr"/>
+          <a:lstStyle/>
+          <a:p>
+            <a:pPr algn="ctr"/>
+            <a:endParaRPr lang="en-US"/>
+          </a:p>
+        </p:txBody>
+      </p:sp>
+      <p:sp>
+        <p:nvSpPr>
+          <p:cNvPr id="23" name="Rectangle 22">
+            <a:extLst>
+              <a:ext uri="{FF2B5EF4-FFF2-40B4-BE49-F238E27FC236}">
+                <a16:creationId xmlns:a16="http://schemas.microsoft.com/office/drawing/2014/main" id="{0B1D5658-A63A-6085-889E-010575EF2FB0}"/>
+              </a:ext>
+            </a:extLst>
+          </p:cNvPr>
+          <p:cNvSpPr/>
+          <p:nvPr/>
+        </p:nvSpPr>
+        <p:spPr>
+          <a:xfrm>
+            <a:off x="466725" y="304800"/>
+            <a:ext cx="2505075" cy="304800"/>
+          </a:xfrm>
+          <a:prstGeom prst="rect">
+            <a:avLst/>
+          </a:prstGeom>
+        </p:spPr>
+        <p:style>
+          <a:lnRef idx="2">
+            <a:schemeClr val="accent1">
+              <a:shade val="15000"/>
+            </a:schemeClr>
+          </a:lnRef>
+          <a:fillRef idx="1">
+            <a:schemeClr val="accent1"/>
+          </a:fillRef>
+          <a:effectRef idx="0">
+            <a:schemeClr val="accent1"/>
+          </a:effectRef>
+          <a:fontRef idx="minor">
+            <a:schemeClr val="lt1"/>
+          </a:fontRef>
+        </p:style>
+        <p:txBody>
+          <a:bodyPr rtlCol="0" anchor="ctr"/>
+          <a:lstStyle/>
+          <a:p>
+            <a:pPr algn="ctr"/>
+            <a:r>
+              <a:rPr lang="en-US" dirty="0"/>
+              <a:t>Select a City</a:t>
+            </a:r>
+          </a:p>
+        </p:txBody>
+      </p:sp>
+      <p:sp>
+        <p:nvSpPr>
+          <p:cNvPr id="24" name="Rectangle 23">
+            <a:extLst>
+              <a:ext uri="{FF2B5EF4-FFF2-40B4-BE49-F238E27FC236}">
+                <a16:creationId xmlns:a16="http://schemas.microsoft.com/office/drawing/2014/main" id="{F0FDF752-6EE0-F376-B1F6-4B5FBECE6A3C}"/>
+              </a:ext>
+            </a:extLst>
+          </p:cNvPr>
+          <p:cNvSpPr/>
+          <p:nvPr/>
+        </p:nvSpPr>
+        <p:spPr>
+          <a:xfrm>
+            <a:off x="2971800" y="304800"/>
+            <a:ext cx="276225" cy="304800"/>
+          </a:xfrm>
+          <a:prstGeom prst="rect">
+            <a:avLst/>
+          </a:prstGeom>
+          <a:solidFill>
+            <a:schemeClr val="tx1">
+              <a:lumMod val="65000"/>
+              <a:lumOff val="35000"/>
+            </a:schemeClr>
+          </a:solidFill>
+        </p:spPr>
+        <p:style>
+          <a:lnRef idx="2">
+            <a:schemeClr val="accent1">
+              <a:shade val="15000"/>
+            </a:schemeClr>
+          </a:lnRef>
+          <a:fillRef idx="1">
+            <a:schemeClr val="accent1"/>
+          </a:fillRef>
+          <a:effectRef idx="0">
+            <a:schemeClr val="accent1"/>
+          </a:effectRef>
+          <a:fontRef idx="minor">
+            <a:schemeClr val="lt1"/>
+          </a:fontRef>
+        </p:style>
+        <p:txBody>
+          <a:bodyPr rtlCol="0" anchor="ctr"/>
+          <a:lstStyle/>
+          <a:p>
+            <a:pPr algn="ctr"/>
+            <a:r>
+              <a:rPr lang="en-US" b="0" i="0" dirty="0">
+                <a:solidFill>
+                  <a:srgbClr val="D1D5DB"/>
+                </a:solidFill>
+                <a:effectLst/>
+                <a:latin typeface="Söhne"/>
+              </a:rPr>
+              <a:t>↓</a:t>
+            </a:r>
+            <a:endParaRPr lang="en-US" dirty="0"/>
+          </a:p>
+        </p:txBody>
+      </p:sp>
+      <p:sp>
+        <p:nvSpPr>
+          <p:cNvPr id="25" name="Rectangle: Rounded Corners 24">
+            <a:extLst>
+              <a:ext uri="{FF2B5EF4-FFF2-40B4-BE49-F238E27FC236}">
+                <a16:creationId xmlns:a16="http://schemas.microsoft.com/office/drawing/2014/main" id="{A8B54E6E-9465-ACAC-C9A4-F4F12EF64763}"/>
+              </a:ext>
+            </a:extLst>
+          </p:cNvPr>
+          <p:cNvSpPr/>
+          <p:nvPr/>
+        </p:nvSpPr>
+        <p:spPr>
+          <a:xfrm>
+            <a:off x="3676337" y="1899858"/>
+            <a:ext cx="2743200" cy="1162049"/>
+          </a:xfrm>
+          <a:prstGeom prst="roundRect">
+            <a:avLst/>
+          </a:prstGeom>
+        </p:spPr>
+        <p:style>
+          <a:lnRef idx="2">
+            <a:schemeClr val="accent1">
+              <a:shade val="15000"/>
+            </a:schemeClr>
+          </a:lnRef>
+          <a:fillRef idx="1">
+            <a:schemeClr val="accent1"/>
+          </a:fillRef>
+          <a:effectRef idx="0">
+            <a:schemeClr val="accent1"/>
+          </a:effectRef>
+          <a:fontRef idx="minor">
+            <a:schemeClr val="lt1"/>
+          </a:fontRef>
+        </p:style>
+        <p:txBody>
+          <a:bodyPr rtlCol="0" anchor="ctr"/>
+          <a:lstStyle/>
+          <a:p>
+            <a:pPr algn="ctr"/>
+            <a:r>
+              <a:rPr lang="en-US" sz="1801" dirty="0"/>
+              <a:t>City, state</a:t>
+            </a:r>
+          </a:p>
+          <a:p>
+            <a:pPr algn="ctr"/>
+            <a:r>
+              <a:rPr lang="en-US" sz="1801" dirty="0"/>
+              <a:t>Temperature: </a:t>
+            </a:r>
+          </a:p>
+          <a:p>
+            <a:pPr algn="ctr"/>
+            <a:r>
+              <a:rPr lang="en-US" sz="1801" dirty="0"/>
+              <a:t>Hi/Lo</a:t>
+            </a:r>
+          </a:p>
+          <a:p>
+            <a:pPr algn="ctr"/>
+            <a:r>
+              <a:rPr lang="en-US" sz="1801" dirty="0"/>
+              <a:t>Humidity:</a:t>
+            </a:r>
+          </a:p>
+        </p:txBody>
+      </p:sp>
+      <p:sp>
+        <p:nvSpPr>
+          <p:cNvPr id="26" name="Rectangle 25">
+            <a:extLst>
+              <a:ext uri="{FF2B5EF4-FFF2-40B4-BE49-F238E27FC236}">
+                <a16:creationId xmlns:a16="http://schemas.microsoft.com/office/drawing/2014/main" id="{F646E77A-6165-7A63-FA37-9BE552EFE511}"/>
+              </a:ext>
+            </a:extLst>
+          </p:cNvPr>
+          <p:cNvSpPr/>
+          <p:nvPr/>
+        </p:nvSpPr>
+        <p:spPr>
+          <a:xfrm>
+            <a:off x="504825" y="2042733"/>
+            <a:ext cx="2781300" cy="1680835"/>
+          </a:xfrm>
+          <a:prstGeom prst="rect">
+            <a:avLst/>
+          </a:prstGeom>
+          <a:solidFill>
+            <a:schemeClr val="accent1">
+              <a:alpha val="0"/>
+            </a:schemeClr>
+          </a:solidFill>
+          <a:ln w="63500">
+            <a:solidFill>
+              <a:schemeClr val="tx1"/>
+            </a:solidFill>
+          </a:ln>
+        </p:spPr>
+        <p:style>
+          <a:lnRef idx="2">
+            <a:schemeClr val="accent1">
+              <a:shade val="15000"/>
+            </a:schemeClr>
+          </a:lnRef>
+          <a:fillRef idx="1">
+            <a:schemeClr val="accent1"/>
+          </a:fillRef>
+          <a:effectRef idx="0">
+            <a:schemeClr val="accent1"/>
+          </a:effectRef>
+          <a:fontRef idx="minor">
+            <a:schemeClr val="lt1"/>
+          </a:fontRef>
+        </p:style>
+        <p:txBody>
+          <a:bodyPr rtlCol="0" anchor="ctr"/>
+          <a:lstStyle/>
+          <a:p>
+            <a:r>
+              <a:rPr lang="en-US" sz="1801" dirty="0"/>
+              <a:t>Text of location here </a:t>
+            </a:r>
+          </a:p>
+        </p:txBody>
+      </p:sp>
+      <p:sp>
+        <p:nvSpPr>
+          <p:cNvPr id="27" name="TextBox 26">
+            <a:extLst>
+              <a:ext uri="{FF2B5EF4-FFF2-40B4-BE49-F238E27FC236}">
+                <a16:creationId xmlns:a16="http://schemas.microsoft.com/office/drawing/2014/main" id="{402ACDEA-3EC8-1F6C-82F9-256385DD06F2}"/>
+              </a:ext>
+            </a:extLst>
+          </p:cNvPr>
+          <p:cNvSpPr txBox="1"/>
+          <p:nvPr/>
+        </p:nvSpPr>
+        <p:spPr>
+          <a:xfrm>
+            <a:off x="1743075" y="3461958"/>
+            <a:ext cx="2457450" cy="261610"/>
+          </a:xfrm>
+          <a:prstGeom prst="rect">
+            <a:avLst/>
+          </a:prstGeom>
+          <a:noFill/>
+        </p:spPr>
+        <p:txBody>
+          <a:bodyPr wrap="square" rtlCol="0">
+            <a:spAutoFit/>
+          </a:bodyPr>
+          <a:lstStyle/>
+          <a:p>
+            <a:r>
+              <a:rPr lang="en-US" sz="1100" dirty="0"/>
+              <a:t>Show more/less button</a:t>
+            </a:r>
+          </a:p>
+        </p:txBody>
+      </p:sp>
+      <p:sp>
+        <p:nvSpPr>
+          <p:cNvPr id="28" name="Rectangle: Rounded Corners 27">
+            <a:extLst>
+              <a:ext uri="{FF2B5EF4-FFF2-40B4-BE49-F238E27FC236}">
+                <a16:creationId xmlns:a16="http://schemas.microsoft.com/office/drawing/2014/main" id="{EE8B3DE2-92DE-B74B-4997-CFE88C4E371E}"/>
+              </a:ext>
+            </a:extLst>
+          </p:cNvPr>
+          <p:cNvSpPr/>
+          <p:nvPr/>
+        </p:nvSpPr>
+        <p:spPr>
+          <a:xfrm>
+            <a:off x="3717132" y="5180565"/>
+            <a:ext cx="1195388" cy="1107144"/>
+          </a:xfrm>
+          <a:prstGeom prst="roundRect">
+            <a:avLst/>
+          </a:prstGeom>
+        </p:spPr>
+        <p:style>
+          <a:lnRef idx="2">
+            <a:schemeClr val="accent1">
+              <a:shade val="15000"/>
+            </a:schemeClr>
+          </a:lnRef>
+          <a:fillRef idx="1">
+            <a:schemeClr val="accent1"/>
+          </a:fillRef>
+          <a:effectRef idx="0">
+            <a:schemeClr val="accent1"/>
+          </a:effectRef>
+          <a:fontRef idx="minor">
+            <a:schemeClr val="lt1"/>
+          </a:fontRef>
+        </p:style>
+        <p:txBody>
+          <a:bodyPr rtlCol="0" anchor="ctr"/>
+          <a:lstStyle/>
+          <a:p>
+            <a:pPr algn="ctr"/>
+            <a:r>
+              <a:rPr lang="en-US" sz="1801" dirty="0"/>
+              <a:t>Images of city</a:t>
+            </a:r>
+          </a:p>
+        </p:txBody>
+      </p:sp>
+      <p:sp>
+        <p:nvSpPr>
+          <p:cNvPr id="29" name="Rectangle: Rounded Corners 28">
+            <a:extLst>
+              <a:ext uri="{FF2B5EF4-FFF2-40B4-BE49-F238E27FC236}">
+                <a16:creationId xmlns:a16="http://schemas.microsoft.com/office/drawing/2014/main" id="{5D25DD3C-19A0-FFF3-C857-307CAD40B82E}"/>
+              </a:ext>
+            </a:extLst>
+          </p:cNvPr>
+          <p:cNvSpPr/>
+          <p:nvPr/>
+        </p:nvSpPr>
+        <p:spPr>
+          <a:xfrm>
+            <a:off x="504825" y="4704643"/>
+            <a:ext cx="2781300" cy="953259"/>
+          </a:xfrm>
+          <a:prstGeom prst="roundRect">
+            <a:avLst/>
+          </a:prstGeom>
+        </p:spPr>
+        <p:style>
+          <a:lnRef idx="2">
+            <a:schemeClr val="accent1">
+              <a:shade val="15000"/>
+            </a:schemeClr>
+          </a:lnRef>
+          <a:fillRef idx="1">
+            <a:schemeClr val="accent1"/>
+          </a:fillRef>
+          <a:effectRef idx="0">
+            <a:schemeClr val="accent1"/>
+          </a:effectRef>
+          <a:fontRef idx="minor">
+            <a:schemeClr val="lt1"/>
+          </a:fontRef>
+        </p:style>
+        <p:txBody>
+          <a:bodyPr rtlCol="0" anchor="ctr"/>
+          <a:lstStyle/>
+          <a:p>
+            <a:pPr algn="ctr"/>
+            <a:r>
+              <a:rPr lang="en-US" sz="1801" dirty="0"/>
+              <a:t>Images of city</a:t>
+            </a:r>
+          </a:p>
+        </p:txBody>
+      </p:sp>
+      <p:sp>
+        <p:nvSpPr>
+          <p:cNvPr id="30" name="Rectangle: Rounded Corners 29">
+            <a:extLst>
+              <a:ext uri="{FF2B5EF4-FFF2-40B4-BE49-F238E27FC236}">
+                <a16:creationId xmlns:a16="http://schemas.microsoft.com/office/drawing/2014/main" id="{301411D7-134F-33DD-4080-FF960AEEABA1}"/>
+              </a:ext>
+            </a:extLst>
+          </p:cNvPr>
+          <p:cNvSpPr/>
+          <p:nvPr/>
+        </p:nvSpPr>
+        <p:spPr>
+          <a:xfrm>
+            <a:off x="504825" y="5657902"/>
+            <a:ext cx="2781300" cy="953259"/>
+          </a:xfrm>
+          <a:prstGeom prst="roundRect">
+            <a:avLst/>
+          </a:prstGeom>
+        </p:spPr>
+        <p:style>
+          <a:lnRef idx="2">
+            <a:schemeClr val="accent1">
+              <a:shade val="15000"/>
+            </a:schemeClr>
+          </a:lnRef>
+          <a:fillRef idx="1">
+            <a:schemeClr val="accent1"/>
+          </a:fillRef>
+          <a:effectRef idx="0">
+            <a:schemeClr val="accent1"/>
+          </a:effectRef>
+          <a:fontRef idx="minor">
+            <a:schemeClr val="lt1"/>
+          </a:fontRef>
+        </p:style>
+        <p:txBody>
+          <a:bodyPr rtlCol="0" anchor="ctr"/>
+          <a:lstStyle/>
+          <a:p>
+            <a:pPr algn="ctr"/>
+            <a:r>
+              <a:rPr lang="en-US" sz="1801" dirty="0"/>
+              <a:t>Images of city</a:t>
+            </a:r>
+          </a:p>
+        </p:txBody>
+      </p:sp>
+      <p:sp>
+        <p:nvSpPr>
+          <p:cNvPr id="32" name="Rectangle: Rounded Corners 31">
+            <a:extLst>
+              <a:ext uri="{FF2B5EF4-FFF2-40B4-BE49-F238E27FC236}">
+                <a16:creationId xmlns:a16="http://schemas.microsoft.com/office/drawing/2014/main" id="{EC20A43F-8600-826A-1210-9F0C9F346095}"/>
+              </a:ext>
+            </a:extLst>
+          </p:cNvPr>
+          <p:cNvSpPr/>
+          <p:nvPr/>
+        </p:nvSpPr>
+        <p:spPr>
+          <a:xfrm>
+            <a:off x="3676337" y="304800"/>
+            <a:ext cx="952814" cy="714375"/>
+          </a:xfrm>
+          <a:prstGeom prst="roundRect">
+            <a:avLst/>
+          </a:prstGeom>
+        </p:spPr>
+        <p:style>
+          <a:lnRef idx="2">
+            <a:schemeClr val="accent1">
+              <a:shade val="15000"/>
+            </a:schemeClr>
+          </a:lnRef>
+          <a:fillRef idx="1">
+            <a:schemeClr val="accent1"/>
+          </a:fillRef>
+          <a:effectRef idx="0">
+            <a:schemeClr val="accent1"/>
+          </a:effectRef>
+          <a:fontRef idx="minor">
+            <a:schemeClr val="lt1"/>
+          </a:fontRef>
+        </p:style>
+        <p:txBody>
+          <a:bodyPr rtlCol="0" anchor="ctr"/>
+          <a:lstStyle/>
+          <a:p>
+            <a:pPr algn="ctr"/>
+            <a:r>
+              <a:rPr lang="en-US" sz="1801" dirty="0"/>
+              <a:t>Image/link</a:t>
+            </a:r>
+          </a:p>
+        </p:txBody>
+      </p:sp>
+      <p:sp>
+        <p:nvSpPr>
+          <p:cNvPr id="37" name="Rectangle: Rounded Corners 36">
+            <a:extLst>
+              <a:ext uri="{FF2B5EF4-FFF2-40B4-BE49-F238E27FC236}">
+                <a16:creationId xmlns:a16="http://schemas.microsoft.com/office/drawing/2014/main" id="{1A4203AB-5F64-C2C8-0EF2-C2E0048FC1F1}"/>
+              </a:ext>
+            </a:extLst>
+          </p:cNvPr>
+          <p:cNvSpPr/>
+          <p:nvPr/>
+        </p:nvSpPr>
+        <p:spPr>
+          <a:xfrm>
+            <a:off x="4714561" y="304800"/>
+            <a:ext cx="952814" cy="714375"/>
+          </a:xfrm>
+          <a:prstGeom prst="roundRect">
+            <a:avLst/>
+          </a:prstGeom>
+        </p:spPr>
+        <p:style>
+          <a:lnRef idx="2">
+            <a:schemeClr val="accent1">
+              <a:shade val="15000"/>
+            </a:schemeClr>
+          </a:lnRef>
+          <a:fillRef idx="1">
+            <a:schemeClr val="accent1"/>
+          </a:fillRef>
+          <a:effectRef idx="0">
+            <a:schemeClr val="accent1"/>
+          </a:effectRef>
+          <a:fontRef idx="minor">
+            <a:schemeClr val="lt1"/>
+          </a:fontRef>
+        </p:style>
+        <p:txBody>
+          <a:bodyPr rtlCol="0" anchor="ctr"/>
+          <a:lstStyle/>
+          <a:p>
+            <a:pPr algn="ctr"/>
+            <a:r>
+              <a:rPr lang="en-US" sz="1801" dirty="0"/>
+              <a:t>Image/link</a:t>
+            </a:r>
+          </a:p>
+        </p:txBody>
+      </p:sp>
+      <p:sp>
+        <p:nvSpPr>
+          <p:cNvPr id="38" name="Rectangle: Rounded Corners 37">
+            <a:extLst>
+              <a:ext uri="{FF2B5EF4-FFF2-40B4-BE49-F238E27FC236}">
+                <a16:creationId xmlns:a16="http://schemas.microsoft.com/office/drawing/2014/main" id="{3F50CB81-868E-8804-A97B-D5BB18D97158}"/>
+              </a:ext>
+            </a:extLst>
+          </p:cNvPr>
+          <p:cNvSpPr/>
+          <p:nvPr/>
+        </p:nvSpPr>
+        <p:spPr>
+          <a:xfrm>
+            <a:off x="5757548" y="304800"/>
+            <a:ext cx="952814" cy="714375"/>
+          </a:xfrm>
+          <a:prstGeom prst="roundRect">
+            <a:avLst/>
+          </a:prstGeom>
+        </p:spPr>
+        <p:style>
+          <a:lnRef idx="2">
+            <a:schemeClr val="accent1">
+              <a:shade val="15000"/>
+            </a:schemeClr>
+          </a:lnRef>
+          <a:fillRef idx="1">
+            <a:schemeClr val="accent1"/>
+          </a:fillRef>
+          <a:effectRef idx="0">
+            <a:schemeClr val="accent1"/>
+          </a:effectRef>
+          <a:fontRef idx="minor">
+            <a:schemeClr val="lt1"/>
+          </a:fontRef>
+        </p:style>
+        <p:txBody>
+          <a:bodyPr rtlCol="0" anchor="ctr"/>
+          <a:lstStyle/>
+          <a:p>
+            <a:pPr algn="ctr"/>
+            <a:r>
+              <a:rPr lang="en-US" sz="1801" dirty="0"/>
+              <a:t>Image/link</a:t>
+            </a:r>
+          </a:p>
+        </p:txBody>
+      </p:sp>
+      <p:sp>
+        <p:nvSpPr>
+          <p:cNvPr id="39" name="Rectangle: Rounded Corners 38">
+            <a:extLst>
+              <a:ext uri="{FF2B5EF4-FFF2-40B4-BE49-F238E27FC236}">
+                <a16:creationId xmlns:a16="http://schemas.microsoft.com/office/drawing/2014/main" id="{84FA3AF0-5F1B-97F7-FBDE-FDD2508AE826}"/>
+              </a:ext>
+            </a:extLst>
+          </p:cNvPr>
+          <p:cNvSpPr/>
+          <p:nvPr/>
+        </p:nvSpPr>
+        <p:spPr>
+          <a:xfrm>
+            <a:off x="6800536" y="304800"/>
+            <a:ext cx="952814" cy="714375"/>
+          </a:xfrm>
+          <a:prstGeom prst="roundRect">
+            <a:avLst/>
+          </a:prstGeom>
+        </p:spPr>
+        <p:style>
+          <a:lnRef idx="2">
+            <a:schemeClr val="accent1">
+              <a:shade val="15000"/>
+            </a:schemeClr>
+          </a:lnRef>
+          <a:fillRef idx="1">
+            <a:schemeClr val="accent1"/>
+          </a:fillRef>
+          <a:effectRef idx="0">
+            <a:schemeClr val="accent1"/>
+          </a:effectRef>
+          <a:fontRef idx="minor">
+            <a:schemeClr val="lt1"/>
+          </a:fontRef>
+        </p:style>
+        <p:txBody>
+          <a:bodyPr rtlCol="0" anchor="ctr"/>
+          <a:lstStyle/>
+          <a:p>
+            <a:pPr algn="ctr"/>
+            <a:r>
+              <a:rPr lang="en-US" sz="1801" dirty="0"/>
+              <a:t>Image/link</a:t>
+            </a:r>
+          </a:p>
+        </p:txBody>
+      </p:sp>
+      <p:sp>
+        <p:nvSpPr>
+          <p:cNvPr id="40" name="Rectangle: Rounded Corners 39">
+            <a:extLst>
+              <a:ext uri="{FF2B5EF4-FFF2-40B4-BE49-F238E27FC236}">
+                <a16:creationId xmlns:a16="http://schemas.microsoft.com/office/drawing/2014/main" id="{D71CFF56-4F06-CC8F-DB7C-DD91FDD1475A}"/>
+              </a:ext>
+            </a:extLst>
+          </p:cNvPr>
+          <p:cNvSpPr/>
+          <p:nvPr/>
+        </p:nvSpPr>
+        <p:spPr>
+          <a:xfrm>
+            <a:off x="3676337" y="1088041"/>
+            <a:ext cx="952814" cy="714375"/>
+          </a:xfrm>
+          <a:prstGeom prst="roundRect">
+            <a:avLst/>
+          </a:prstGeom>
+        </p:spPr>
+        <p:style>
+          <a:lnRef idx="2">
+            <a:schemeClr val="accent1">
+              <a:shade val="15000"/>
+            </a:schemeClr>
+          </a:lnRef>
+          <a:fillRef idx="1">
+            <a:schemeClr val="accent1"/>
+          </a:fillRef>
+          <a:effectRef idx="0">
+            <a:schemeClr val="accent1"/>
+          </a:effectRef>
+          <a:fontRef idx="minor">
+            <a:schemeClr val="lt1"/>
+          </a:fontRef>
+        </p:style>
+        <p:txBody>
+          <a:bodyPr rtlCol="0" anchor="ctr"/>
+          <a:lstStyle/>
+          <a:p>
+            <a:pPr algn="ctr"/>
+            <a:r>
+              <a:rPr lang="en-US" sz="1801" dirty="0"/>
+              <a:t>Image/link</a:t>
+            </a:r>
+          </a:p>
+        </p:txBody>
+      </p:sp>
+      <p:sp>
+        <p:nvSpPr>
+          <p:cNvPr id="41" name="Rectangle: Rounded Corners 40">
+            <a:extLst>
+              <a:ext uri="{FF2B5EF4-FFF2-40B4-BE49-F238E27FC236}">
+                <a16:creationId xmlns:a16="http://schemas.microsoft.com/office/drawing/2014/main" id="{7B83E82A-CB4F-3A20-E547-60B726B26B5B}"/>
+              </a:ext>
+            </a:extLst>
+          </p:cNvPr>
+          <p:cNvSpPr/>
+          <p:nvPr/>
+        </p:nvSpPr>
+        <p:spPr>
+          <a:xfrm>
+            <a:off x="504825" y="771525"/>
+            <a:ext cx="2743200" cy="1162049"/>
+          </a:xfrm>
+          <a:prstGeom prst="roundRect">
+            <a:avLst/>
+          </a:prstGeom>
+        </p:spPr>
+        <p:style>
+          <a:lnRef idx="2">
+            <a:schemeClr val="accent1">
+              <a:shade val="15000"/>
+            </a:schemeClr>
+          </a:lnRef>
+          <a:fillRef idx="1">
+            <a:schemeClr val="accent1"/>
+          </a:fillRef>
+          <a:effectRef idx="0">
+            <a:schemeClr val="accent1"/>
+          </a:effectRef>
+          <a:fontRef idx="minor">
+            <a:schemeClr val="lt1"/>
+          </a:fontRef>
+        </p:style>
+        <p:txBody>
+          <a:bodyPr rtlCol="0" anchor="ctr"/>
+          <a:lstStyle/>
+          <a:p>
+            <a:pPr algn="ctr"/>
+            <a:r>
+              <a:rPr lang="en-US" sz="1801" dirty="0"/>
+              <a:t>City, state</a:t>
+            </a:r>
+          </a:p>
+          <a:p>
+            <a:pPr algn="ctr"/>
+            <a:r>
+              <a:rPr lang="en-US" sz="1801" dirty="0"/>
+              <a:t>Temperature: </a:t>
+            </a:r>
+          </a:p>
+          <a:p>
+            <a:pPr algn="ctr"/>
+            <a:r>
+              <a:rPr lang="en-US" sz="1801" dirty="0"/>
+              <a:t>Hi/Lo</a:t>
+            </a:r>
+          </a:p>
+          <a:p>
+            <a:pPr algn="ctr"/>
+            <a:r>
+              <a:rPr lang="en-US" sz="1801" dirty="0"/>
+              <a:t>Humidity:</a:t>
+            </a:r>
+          </a:p>
+        </p:txBody>
+      </p:sp>
+      <p:sp>
+        <p:nvSpPr>
+          <p:cNvPr id="42" name="Rectangle 41">
+            <a:extLst>
+              <a:ext uri="{FF2B5EF4-FFF2-40B4-BE49-F238E27FC236}">
+                <a16:creationId xmlns:a16="http://schemas.microsoft.com/office/drawing/2014/main" id="{E11FAB4C-792A-4355-71AB-F04C27A25393}"/>
+              </a:ext>
+            </a:extLst>
+          </p:cNvPr>
+          <p:cNvSpPr/>
+          <p:nvPr/>
+        </p:nvSpPr>
+        <p:spPr>
+          <a:xfrm>
+            <a:off x="3671887" y="3159349"/>
+            <a:ext cx="3902878" cy="1659541"/>
+          </a:xfrm>
+          <a:prstGeom prst="rect">
+            <a:avLst/>
+          </a:prstGeom>
+          <a:solidFill>
+            <a:schemeClr val="accent1">
+              <a:alpha val="0"/>
+            </a:schemeClr>
+          </a:solidFill>
+          <a:ln w="63500">
+            <a:solidFill>
+              <a:schemeClr val="tx1"/>
+            </a:solidFill>
+          </a:ln>
+        </p:spPr>
+        <p:style>
+          <a:lnRef idx="2">
+            <a:schemeClr val="accent1">
+              <a:shade val="15000"/>
+            </a:schemeClr>
+          </a:lnRef>
+          <a:fillRef idx="1">
+            <a:schemeClr val="accent1"/>
+          </a:fillRef>
+          <a:effectRef idx="0">
+            <a:schemeClr val="accent1"/>
+          </a:effectRef>
+          <a:fontRef idx="minor">
+            <a:schemeClr val="lt1"/>
+          </a:fontRef>
+        </p:style>
+        <p:txBody>
+          <a:bodyPr rtlCol="0" anchor="ctr"/>
+          <a:lstStyle/>
+          <a:p>
+            <a:r>
+              <a:rPr lang="en-US" sz="1801" dirty="0"/>
+              <a:t>Text of location here </a:t>
+            </a:r>
+          </a:p>
+        </p:txBody>
+      </p:sp>
+      <p:sp>
+        <p:nvSpPr>
+          <p:cNvPr id="43" name="Rectangle: Rounded Corners 42">
+            <a:extLst>
+              <a:ext uri="{FF2B5EF4-FFF2-40B4-BE49-F238E27FC236}">
+                <a16:creationId xmlns:a16="http://schemas.microsoft.com/office/drawing/2014/main" id="{C7ADC95B-BF19-2E69-735C-663418D62AAE}"/>
+              </a:ext>
+            </a:extLst>
+          </p:cNvPr>
+          <p:cNvSpPr/>
+          <p:nvPr/>
+        </p:nvSpPr>
+        <p:spPr>
+          <a:xfrm>
+            <a:off x="504825" y="3737476"/>
+            <a:ext cx="2781300" cy="953259"/>
+          </a:xfrm>
+          <a:prstGeom prst="roundRect">
+            <a:avLst/>
+          </a:prstGeom>
+        </p:spPr>
+        <p:style>
+          <a:lnRef idx="2">
+            <a:schemeClr val="accent1">
+              <a:shade val="15000"/>
+            </a:schemeClr>
+          </a:lnRef>
+          <a:fillRef idx="1">
+            <a:schemeClr val="accent1"/>
+          </a:fillRef>
+          <a:effectRef idx="0">
+            <a:schemeClr val="accent1"/>
+          </a:effectRef>
+          <a:fontRef idx="minor">
+            <a:schemeClr val="lt1"/>
+          </a:fontRef>
+        </p:style>
+        <p:txBody>
+          <a:bodyPr rtlCol="0" anchor="ctr"/>
+          <a:lstStyle/>
+          <a:p>
+            <a:pPr algn="ctr"/>
+            <a:r>
+              <a:rPr lang="en-US" sz="1801" dirty="0"/>
+              <a:t>Images of city</a:t>
+            </a:r>
+          </a:p>
+        </p:txBody>
+      </p:sp>
+      <p:sp>
+        <p:nvSpPr>
+          <p:cNvPr id="44" name="Rectangle: Rounded Corners 43">
+            <a:extLst>
+              <a:ext uri="{FF2B5EF4-FFF2-40B4-BE49-F238E27FC236}">
+                <a16:creationId xmlns:a16="http://schemas.microsoft.com/office/drawing/2014/main" id="{EDE56469-3AC1-2C5B-F3E6-99D268653137}"/>
+              </a:ext>
+            </a:extLst>
+          </p:cNvPr>
+          <p:cNvSpPr/>
+          <p:nvPr/>
+        </p:nvSpPr>
+        <p:spPr>
+          <a:xfrm>
+            <a:off x="5023965" y="5208433"/>
+            <a:ext cx="1195388" cy="1107144"/>
+          </a:xfrm>
+          <a:prstGeom prst="roundRect">
+            <a:avLst/>
+          </a:prstGeom>
+        </p:spPr>
+        <p:style>
+          <a:lnRef idx="2">
+            <a:schemeClr val="accent1">
+              <a:shade val="15000"/>
+            </a:schemeClr>
+          </a:lnRef>
+          <a:fillRef idx="1">
+            <a:schemeClr val="accent1"/>
+          </a:fillRef>
+          <a:effectRef idx="0">
+            <a:schemeClr val="accent1"/>
+          </a:effectRef>
+          <a:fontRef idx="minor">
+            <a:schemeClr val="lt1"/>
+          </a:fontRef>
+        </p:style>
+        <p:txBody>
+          <a:bodyPr rtlCol="0" anchor="ctr"/>
+          <a:lstStyle/>
+          <a:p>
+            <a:pPr algn="ctr"/>
+            <a:r>
+              <a:rPr lang="en-US" sz="1801" dirty="0"/>
+              <a:t>Images of city</a:t>
+            </a:r>
+          </a:p>
+        </p:txBody>
+      </p:sp>
+      <p:sp>
+        <p:nvSpPr>
+          <p:cNvPr id="45" name="Rectangle: Rounded Corners 44">
+            <a:extLst>
+              <a:ext uri="{FF2B5EF4-FFF2-40B4-BE49-F238E27FC236}">
+                <a16:creationId xmlns:a16="http://schemas.microsoft.com/office/drawing/2014/main" id="{D93B6CB9-C499-91B2-728F-F1A08B912862}"/>
+              </a:ext>
+            </a:extLst>
+          </p:cNvPr>
+          <p:cNvSpPr/>
+          <p:nvPr/>
+        </p:nvSpPr>
+        <p:spPr>
+          <a:xfrm>
+            <a:off x="6379377" y="5208433"/>
+            <a:ext cx="1195388" cy="1107144"/>
+          </a:xfrm>
+          <a:prstGeom prst="roundRect">
+            <a:avLst/>
+          </a:prstGeom>
+        </p:spPr>
+        <p:style>
+          <a:lnRef idx="2">
+            <a:schemeClr val="accent1">
+              <a:shade val="15000"/>
+            </a:schemeClr>
+          </a:lnRef>
+          <a:fillRef idx="1">
+            <a:schemeClr val="accent1"/>
+          </a:fillRef>
+          <a:effectRef idx="0">
+            <a:schemeClr val="accent1"/>
+          </a:effectRef>
+          <a:fontRef idx="minor">
+            <a:schemeClr val="lt1"/>
+          </a:fontRef>
+        </p:style>
+        <p:txBody>
+          <a:bodyPr rtlCol="0" anchor="ctr"/>
+          <a:lstStyle/>
+          <a:p>
+            <a:pPr algn="ctr"/>
+            <a:r>
+              <a:rPr lang="en-US" sz="1801" dirty="0"/>
+              <a:t>Images of city</a:t>
+            </a:r>
+          </a:p>
+        </p:txBody>
+      </p:sp>
+      <p:sp>
+        <p:nvSpPr>
+          <p:cNvPr id="46" name="TextBox 45">
+            <a:extLst>
+              <a:ext uri="{FF2B5EF4-FFF2-40B4-BE49-F238E27FC236}">
+                <a16:creationId xmlns:a16="http://schemas.microsoft.com/office/drawing/2014/main" id="{94F25C19-4671-8AE2-50D2-99BC55C81235}"/>
+              </a:ext>
+            </a:extLst>
+          </p:cNvPr>
+          <p:cNvSpPr txBox="1"/>
+          <p:nvPr/>
+        </p:nvSpPr>
+        <p:spPr>
+          <a:xfrm rot="16200000">
+            <a:off x="-3641258" y="2646792"/>
+            <a:ext cx="7562457" cy="338554"/>
+          </a:xfrm>
+          <a:prstGeom prst="rect">
+            <a:avLst/>
+          </a:prstGeom>
+          <a:noFill/>
+        </p:spPr>
+        <p:txBody>
+          <a:bodyPr wrap="square" rtlCol="0">
+            <a:spAutoFit/>
+          </a:bodyPr>
+          <a:lstStyle/>
+          <a:p>
+            <a:r>
+              <a:rPr lang="en-US" sz="1600" dirty="0" err="1"/>
+              <a:t>Backround</a:t>
+            </a:r>
+            <a:r>
+              <a:rPr lang="en-US" sz="1600" dirty="0"/>
+              <a:t> will change depending on time Light </a:t>
+            </a:r>
+            <a:r>
+              <a:rPr lang="en-US" sz="1600" dirty="0" err="1"/>
+              <a:t>Light</a:t>
+            </a:r>
+            <a:r>
+              <a:rPr lang="en-US" sz="1600" dirty="0"/>
+              <a:t> blue/ Orange/Dark blue</a:t>
+            </a:r>
+          </a:p>
+        </p:txBody>
+      </p:sp>
+    </p:spTree>
+    <p:extLst>
+      <p:ext uri="{BB962C8B-B14F-4D97-AF65-F5344CB8AC3E}">
+        <p14:creationId xmlns:p14="http://schemas.microsoft.com/office/powerpoint/2010/main" val="2430586752"/>
       </p:ext>
     </p:extLst>
   </p:cSld>
